--- a/Bank Marketing.pptx
+++ b/Bank Marketing.pptx
@@ -5930,7 +5930,7 @@
             <p:ph idx="1"/>
             <p:extLst>
               <p:ext uri="{D42A27DB-BD31-4B8C-83A1-F6EECF244321}">
-                <p14:modId xmlns:p14="http://schemas.microsoft.com/office/powerpoint/2010/main" val="3991904527"/>
+                <p14:modId xmlns:p14="http://schemas.microsoft.com/office/powerpoint/2010/main" val="2984215504"/>
               </p:ext>
             </p:extLst>
           </p:nvPr>
@@ -6087,7 +6087,7 @@
                     <a:p>
                       <a:r>
                         <a:rPr lang="en-US" dirty="0"/>
-                        <a:t>Target more customers between the age of 27 to 40</a:t>
+                        <a:t>Target more customers between the age of 25 to 60</a:t>
                       </a:r>
                     </a:p>
                   </a:txBody>
@@ -11009,12 +11009,12 @@
           <a:p>
             <a:pPr algn="r"/>
             <a:r>
-              <a:rPr lang="en-US" sz="3000">
+              <a:rPr lang="en-US" sz="3000" dirty="0">
                 <a:solidFill>
                   <a:schemeClr val="bg1"/>
                 </a:solidFill>
               </a:rPr>
-              <a:t>Data Understanding</a:t>
+              <a:t>Data Understanding with respect to subscribers</a:t>
             </a:r>
           </a:p>
         </p:txBody>
@@ -11812,7 +11812,7 @@
                   <a:schemeClr val="bg1"/>
                 </a:solidFill>
               </a:rPr>
-              <a:t>High subscription rate is distributed around age group of 27-40</a:t>
+              <a:t>High subscription rate is distributed around age group of 25-60</a:t>
             </a:r>
           </a:p>
         </p:txBody>
